--- a/My Christmas.pptx
+++ b/My Christmas.pptx
@@ -8,10 +8,9 @@
     <p:sldId id="256" r:id="rId2"/>
     <p:sldId id="257" r:id="rId3"/>
     <p:sldId id="258" r:id="rId4"/>
-    <p:sldId id="259" r:id="rId5"/>
-    <p:sldId id="260" r:id="rId6"/>
-    <p:sldId id="261" r:id="rId7"/>
-    <p:sldId id="262" r:id="rId8"/>
+    <p:sldId id="260" r:id="rId5"/>
+    <p:sldId id="259" r:id="rId6"/>
+    <p:sldId id="262" r:id="rId7"/>
   </p:sldIdLst>
   <p:sldSz cx="12192000" cy="6858000"/>
   <p:notesSz cx="6858000" cy="9144000"/>
@@ -110,6 +109,11 @@
       </a:defRPr>
     </a:lvl9pPr>
   </p:defaultTextStyle>
+  <p:extLst>
+    <p:ext uri="{EFAFB233-063F-42B5-8137-9DF3F51BA10A}">
+      <p15:sldGuideLst xmlns:p15="http://schemas.microsoft.com/office/powerpoint/2012/main"/>
+    </p:ext>
+  </p:extLst>
 </p:presentation>
 </file>
 
@@ -445,7 +449,7 @@
             <a:fld id="{B61BEF0D-F0BB-DE4B-95CE-6DB70DBA9567}" type="datetimeFigureOut">
               <a:rPr lang="en-US" dirty="0"/>
               <a:pPr/>
-              <a:t>1/13/2020</a:t>
+              <a:t>1/15/2020</a:t>
             </a:fld>
             <a:endParaRPr lang="en-US" dirty="0"/>
           </a:p>
@@ -766,7 +770,7 @@
             <a:fld id="{B61BEF0D-F0BB-DE4B-95CE-6DB70DBA9567}" type="datetimeFigureOut">
               <a:rPr lang="en-US" dirty="0"/>
               <a:pPr/>
-              <a:t>1/13/2020</a:t>
+              <a:t>1/15/2020</a:t>
             </a:fld>
             <a:endParaRPr lang="en-US" dirty="0"/>
           </a:p>
@@ -1011,7 +1015,7 @@
             <a:fld id="{B61BEF0D-F0BB-DE4B-95CE-6DB70DBA9567}" type="datetimeFigureOut">
               <a:rPr lang="en-US" dirty="0"/>
               <a:pPr/>
-              <a:t>1/13/2020</a:t>
+              <a:t>1/15/2020</a:t>
             </a:fld>
             <a:endParaRPr lang="en-US" dirty="0"/>
           </a:p>
@@ -1347,7 +1351,7 @@
             <a:fld id="{B61BEF0D-F0BB-DE4B-95CE-6DB70DBA9567}" type="datetimeFigureOut">
               <a:rPr lang="en-US" dirty="0"/>
               <a:pPr/>
-              <a:t>1/13/2020</a:t>
+              <a:t>1/15/2020</a:t>
             </a:fld>
             <a:endParaRPr lang="en-US" dirty="0"/>
           </a:p>
@@ -1691,7 +1695,7 @@
             <a:fld id="{B61BEF0D-F0BB-DE4B-95CE-6DB70DBA9567}" type="datetimeFigureOut">
               <a:rPr lang="en-US" dirty="0"/>
               <a:pPr/>
-              <a:t>1/13/2020</a:t>
+              <a:t>1/15/2020</a:t>
             </a:fld>
             <a:endParaRPr lang="en-US" dirty="0"/>
           </a:p>
@@ -2062,7 +2066,7 @@
             <a:fld id="{B61BEF0D-F0BB-DE4B-95CE-6DB70DBA9567}" type="datetimeFigureOut">
               <a:rPr lang="en-US" dirty="0"/>
               <a:pPr/>
-              <a:t>1/13/2020</a:t>
+              <a:t>1/15/2020</a:t>
             </a:fld>
             <a:endParaRPr lang="en-US" dirty="0"/>
           </a:p>
@@ -2529,7 +2533,7 @@
             <a:fld id="{B61BEF0D-F0BB-DE4B-95CE-6DB70DBA9567}" type="datetimeFigureOut">
               <a:rPr lang="en-US" dirty="0"/>
               <a:pPr/>
-              <a:t>1/13/2020</a:t>
+              <a:t>1/15/2020</a:t>
             </a:fld>
             <a:endParaRPr lang="en-US" dirty="0"/>
           </a:p>
@@ -2731,7 +2735,7 @@
             <a:fld id="{B61BEF0D-F0BB-DE4B-95CE-6DB70DBA9567}" type="datetimeFigureOut">
               <a:rPr lang="en-US" dirty="0"/>
               <a:pPr/>
-              <a:t>1/13/2020</a:t>
+              <a:t>1/15/2020</a:t>
             </a:fld>
             <a:endParaRPr lang="en-US" dirty="0"/>
           </a:p>
@@ -2939,7 +2943,7 @@
             <a:fld id="{B61BEF0D-F0BB-DE4B-95CE-6DB70DBA9567}" type="datetimeFigureOut">
               <a:rPr lang="en-US" dirty="0"/>
               <a:pPr/>
-              <a:t>1/13/2020</a:t>
+              <a:t>1/15/2020</a:t>
             </a:fld>
             <a:endParaRPr lang="en-US" dirty="0"/>
           </a:p>
@@ -3167,7 +3171,7 @@
           <a:p>
             <a:fld id="{52647F38-B617-4D2F-AE0A-013F0C4D2C57}" type="datetimeFigureOut">
               <a:rPr lang="en-US" dirty="0"/>
-              <a:t>1/13/2020</a:t>
+              <a:t>1/15/2020</a:t>
             </a:fld>
             <a:endParaRPr lang="en-US" dirty="0"/>
           </a:p>
@@ -3411,7 +3415,7 @@
             <a:fld id="{B61BEF0D-F0BB-DE4B-95CE-6DB70DBA9567}" type="datetimeFigureOut">
               <a:rPr lang="en-US" dirty="0"/>
               <a:pPr/>
-              <a:t>1/13/2020</a:t>
+              <a:t>1/15/2020</a:t>
             </a:fld>
             <a:endParaRPr lang="en-US" dirty="0"/>
           </a:p>
@@ -3705,7 +3709,7 @@
           <a:p>
             <a:fld id="{05BFA754-D5C3-4E66-96A6-867B257F58DC}" type="datetimeFigureOut">
               <a:rPr lang="en-US" dirty="0"/>
-              <a:t>1/13/2020</a:t>
+              <a:t>1/15/2020</a:t>
             </a:fld>
             <a:endParaRPr lang="en-US" dirty="0"/>
           </a:p>
@@ -4095,7 +4099,7 @@
             <a:fld id="{B61BEF0D-F0BB-DE4B-95CE-6DB70DBA9567}" type="datetimeFigureOut">
               <a:rPr lang="en-US" dirty="0"/>
               <a:pPr/>
-              <a:t>1/13/2020</a:t>
+              <a:t>1/15/2020</a:t>
             </a:fld>
             <a:endParaRPr lang="en-US" dirty="0"/>
           </a:p>
@@ -4241,7 +4245,7 @@
             <a:fld id="{B61BEF0D-F0BB-DE4B-95CE-6DB70DBA9567}" type="datetimeFigureOut">
               <a:rPr lang="en-US" dirty="0"/>
               <a:pPr/>
-              <a:t>1/13/2020</a:t>
+              <a:t>1/15/2020</a:t>
             </a:fld>
             <a:endParaRPr lang="en-US" dirty="0"/>
           </a:p>
@@ -4364,7 +4368,7 @@
             <a:fld id="{B61BEF0D-F0BB-DE4B-95CE-6DB70DBA9567}" type="datetimeFigureOut">
               <a:rPr lang="en-US" dirty="0"/>
               <a:pPr/>
-              <a:t>1/13/2020</a:t>
+              <a:t>1/15/2020</a:t>
             </a:fld>
             <a:endParaRPr lang="en-US" dirty="0"/>
           </a:p>
@@ -4616,7 +4620,7 @@
             <a:fld id="{B61BEF0D-F0BB-DE4B-95CE-6DB70DBA9567}" type="datetimeFigureOut">
               <a:rPr lang="en-US" dirty="0"/>
               <a:pPr/>
-              <a:t>1/13/2020</a:t>
+              <a:t>1/15/2020</a:t>
             </a:fld>
             <a:endParaRPr lang="en-US" dirty="0"/>
           </a:p>
@@ -4928,7 +4932,7 @@
             <a:fld id="{B61BEF0D-F0BB-DE4B-95CE-6DB70DBA9567}" type="datetimeFigureOut">
               <a:rPr lang="en-US" dirty="0"/>
               <a:pPr/>
-              <a:t>1/13/2020</a:t>
+              <a:t>1/15/2020</a:t>
             </a:fld>
             <a:endParaRPr lang="en-US" dirty="0"/>
           </a:p>
@@ -5276,7 +5280,7 @@
             <a:fld id="{B61BEF0D-F0BB-DE4B-95CE-6DB70DBA9567}" type="datetimeFigureOut">
               <a:rPr lang="en-US" dirty="0"/>
               <a:pPr/>
-              <a:t>1/13/2020</a:t>
+              <a:t>1/15/2020</a:t>
             </a:fld>
             <a:endParaRPr lang="en-US" dirty="0"/>
           </a:p>
@@ -6983,286 +6987,6 @@
   <p:cSld>
     <p:bg>
       <p:bgPr>
-        <a:solidFill>
-          <a:schemeClr val="bg1"/>
-        </a:solidFill>
-        <a:effectLst/>
-      </p:bgPr>
-    </p:bg>
-    <p:spTree>
-      <p:nvGrpSpPr>
-        <p:cNvPr id="1" name=""/>
-        <p:cNvGrpSpPr/>
-        <p:nvPr/>
-      </p:nvGrpSpPr>
-      <p:grpSpPr>
-        <a:xfrm>
-          <a:off x="0" y="0"/>
-          <a:ext cx="0" cy="0"/>
-          <a:chOff x="0" y="0"/>
-          <a:chExt cx="0" cy="0"/>
-        </a:xfrm>
-      </p:grpSpPr>
-      <p:sp>
-        <p:nvSpPr>
-          <p:cNvPr id="12" name="Rectangle 11">
-            <a:extLst>
-              <a:ext uri="{FF2B5EF4-FFF2-40B4-BE49-F238E27FC236}">
-                <a16:creationId xmlns:a16="http://schemas.microsoft.com/office/drawing/2014/main" id="{5EB8E3BF-F464-4900-8994-851061A9AD60}"/>
-              </a:ext>
-              <a:ext uri="{C183D7F6-B498-43B3-948B-1728B52AA6E4}">
-                <adec:decorative xmlns:adec="http://schemas.microsoft.com/office/drawing/2017/decorative" val="1"/>
-              </a:ext>
-            </a:extLst>
-          </p:cNvPr>
-          <p:cNvSpPr>
-            <a:spLocks noGrp="1" noRot="1" noChangeAspect="1" noMove="1" noResize="1" noEditPoints="1" noAdjustHandles="1" noChangeArrowheads="1" noChangeShapeType="1" noTextEdit="1"/>
-          </p:cNvSpPr>
-          <p:nvPr>
-            <p:extLst>
-              <p:ext uri="{386F3935-93C4-4BCD-93E2-E3B085C9AB24}">
-                <p16:designElem xmlns:p16="http://schemas.microsoft.com/office/powerpoint/2015/main" val="1"/>
-              </p:ext>
-            </p:extLst>
-          </p:nvPr>
-        </p:nvSpPr>
-        <p:spPr>
-          <a:xfrm>
-            <a:off x="0" y="0"/>
-            <a:ext cx="12192000" cy="6858000"/>
-          </a:xfrm>
-          <a:prstGeom prst="rect">
-            <a:avLst/>
-          </a:prstGeom>
-          <a:solidFill>
-            <a:srgbClr val="000000"/>
-          </a:solidFill>
-          <a:ln>
-            <a:noFill/>
-          </a:ln>
-        </p:spPr>
-        <p:style>
-          <a:lnRef idx="2">
-            <a:schemeClr val="accent1">
-              <a:shade val="50000"/>
-            </a:schemeClr>
-          </a:lnRef>
-          <a:fillRef idx="1">
-            <a:schemeClr val="accent1"/>
-          </a:fillRef>
-          <a:effectRef idx="0">
-            <a:schemeClr val="accent1"/>
-          </a:effectRef>
-          <a:fontRef idx="minor">
-            <a:schemeClr val="lt1"/>
-          </a:fontRef>
-        </p:style>
-        <p:txBody>
-          <a:bodyPr rtlCol="0" anchor="ctr"/>
-          <a:lstStyle/>
-          <a:p>
-            <a:pPr algn="ctr"/>
-            <a:endParaRPr lang="en-US"/>
-          </a:p>
-        </p:txBody>
-      </p:sp>
-      <p:pic>
-        <p:nvPicPr>
-          <p:cNvPr id="5" name="Marcador de contenido 4" descr="Imagen que contiene edificio, exterior, calle, luz&#10;&#10;Descripción generada automáticamente">
-            <a:extLst>
-              <a:ext uri="{FF2B5EF4-FFF2-40B4-BE49-F238E27FC236}">
-                <a16:creationId xmlns:a16="http://schemas.microsoft.com/office/drawing/2014/main" id="{002CF3FB-7003-4052-B5FE-EB49E45198A4}"/>
-              </a:ext>
-            </a:extLst>
-          </p:cNvPr>
-          <p:cNvPicPr>
-            <a:picLocks noChangeAspect="1"/>
-          </p:cNvPicPr>
-          <p:nvPr/>
-        </p:nvPicPr>
-        <p:blipFill rotWithShape="1">
-          <a:blip r:embed="rId2">
-            <a:alphaModFix amt="35000"/>
-          </a:blip>
-          <a:srcRect t="5195" b="10536"/>
-          <a:stretch/>
-        </p:blipFill>
-        <p:spPr>
-          <a:xfrm>
-            <a:off x="20" y="10"/>
-            <a:ext cx="12191980" cy="6857990"/>
-          </a:xfrm>
-          <a:prstGeom prst="rect">
-            <a:avLst/>
-          </a:prstGeom>
-        </p:spPr>
-      </p:pic>
-      <p:sp>
-        <p:nvSpPr>
-          <p:cNvPr id="2" name="Título 1">
-            <a:extLst>
-              <a:ext uri="{FF2B5EF4-FFF2-40B4-BE49-F238E27FC236}">
-                <a16:creationId xmlns:a16="http://schemas.microsoft.com/office/drawing/2014/main" id="{93F3B563-1EB5-4FCD-A425-D4C526FDDDEF}"/>
-              </a:ext>
-            </a:extLst>
-          </p:cNvPr>
-          <p:cNvSpPr>
-            <a:spLocks noGrp="1"/>
-          </p:cNvSpPr>
-          <p:nvPr>
-            <p:ph type="title"/>
-          </p:nvPr>
-        </p:nvSpPr>
-        <p:spPr>
-          <a:xfrm>
-            <a:off x="1524000" y="3536450"/>
-            <a:ext cx="9601196" cy="1303867"/>
-          </a:xfrm>
-        </p:spPr>
-        <p:txBody>
-          <a:bodyPr>
-            <a:normAutofit/>
-          </a:bodyPr>
-          <a:lstStyle/>
-          <a:p>
-            <a:r>
-              <a:rPr lang="es-ES" dirty="0" err="1">
-                <a:solidFill>
-                  <a:srgbClr val="FFFFFF"/>
-                </a:solidFill>
-              </a:rPr>
-              <a:t>Málaga´s</a:t>
-            </a:r>
-            <a:r>
-              <a:rPr lang="es-ES" dirty="0">
-                <a:solidFill>
-                  <a:srgbClr val="FFFFFF"/>
-                </a:solidFill>
-              </a:rPr>
-              <a:t> Christmas </a:t>
-            </a:r>
-            <a:r>
-              <a:rPr lang="es-ES" dirty="0" err="1">
-                <a:solidFill>
-                  <a:srgbClr val="FFFFFF"/>
-                </a:solidFill>
-              </a:rPr>
-              <a:t>lights</a:t>
-            </a:r>
-            <a:endParaRPr lang="es-ES" dirty="0">
-              <a:solidFill>
-                <a:srgbClr val="FFFFFF"/>
-              </a:solidFill>
-            </a:endParaRPr>
-          </a:p>
-        </p:txBody>
-      </p:sp>
-      <p:cxnSp>
-        <p:nvCxnSpPr>
-          <p:cNvPr id="14" name="Straight Connector 13">
-            <a:extLst>
-              <a:ext uri="{FF2B5EF4-FFF2-40B4-BE49-F238E27FC236}">
-                <a16:creationId xmlns:a16="http://schemas.microsoft.com/office/drawing/2014/main" id="{8E0602D6-3A81-42F8-AE67-1BAAFC967CB0}"/>
-              </a:ext>
-              <a:ext uri="{C183D7F6-B498-43B3-948B-1728B52AA6E4}">
-                <adec:decorative xmlns:adec="http://schemas.microsoft.com/office/drawing/2017/decorative" val="1"/>
-              </a:ext>
-            </a:extLst>
-          </p:cNvPr>
-          <p:cNvCxnSpPr>
-            <a:cxnSpLocks noGrp="1" noRot="1" noChangeAspect="1" noMove="1" noResize="1" noEditPoints="1" noAdjustHandles="1" noChangeArrowheads="1" noChangeShapeType="1"/>
-          </p:cNvCxnSpPr>
-          <p:nvPr>
-            <p:extLst>
-              <p:ext uri="{386F3935-93C4-4BCD-93E2-E3B085C9AB24}">
-                <p16:designElem xmlns:p16="http://schemas.microsoft.com/office/powerpoint/2015/main" val="1"/>
-              </p:ext>
-            </p:extLst>
-          </p:nvPr>
-        </p:nvCxnSpPr>
-        <p:spPr>
-          <a:xfrm>
-            <a:off x="1524000" y="2421466"/>
-            <a:ext cx="9144000" cy="0"/>
-          </a:xfrm>
-          <a:prstGeom prst="line">
-            <a:avLst/>
-          </a:prstGeom>
-          <a:ln w="15875">
-            <a:solidFill>
-              <a:srgbClr val="FFFFFF"/>
-            </a:solidFill>
-          </a:ln>
-        </p:spPr>
-        <p:style>
-          <a:lnRef idx="2">
-            <a:schemeClr val="accent1"/>
-          </a:lnRef>
-          <a:fillRef idx="0">
-            <a:schemeClr val="accent1"/>
-          </a:fillRef>
-          <a:effectRef idx="1">
-            <a:schemeClr val="accent1"/>
-          </a:effectRef>
-          <a:fontRef idx="minor">
-            <a:schemeClr val="tx1"/>
-          </a:fontRef>
-        </p:style>
-      </p:cxnSp>
-      <p:sp>
-        <p:nvSpPr>
-          <p:cNvPr id="9" name="Content Placeholder 8">
-            <a:extLst>
-              <a:ext uri="{FF2B5EF4-FFF2-40B4-BE49-F238E27FC236}">
-                <a16:creationId xmlns:a16="http://schemas.microsoft.com/office/drawing/2014/main" id="{DB2FF74D-A479-44A8-A70F-B1CC3015BA03}"/>
-              </a:ext>
-            </a:extLst>
-          </p:cNvPr>
-          <p:cNvSpPr>
-            <a:spLocks noGrp="1"/>
-          </p:cNvSpPr>
-          <p:nvPr>
-            <p:ph idx="1"/>
-          </p:nvPr>
-        </p:nvSpPr>
-        <p:spPr>
-          <a:xfrm>
-            <a:off x="1295401" y="2556932"/>
-            <a:ext cx="9601196" cy="3318936"/>
-          </a:xfrm>
-        </p:spPr>
-        <p:txBody>
-          <a:bodyPr>
-            <a:normAutofit/>
-          </a:bodyPr>
-          <a:lstStyle/>
-          <a:p>
-            <a:endParaRPr lang="en-US">
-              <a:solidFill>
-                <a:srgbClr val="FFFFFF"/>
-              </a:solidFill>
-            </a:endParaRPr>
-          </a:p>
-        </p:txBody>
-      </p:sp>
-    </p:spTree>
-    <p:extLst>
-      <p:ext uri="{BB962C8B-B14F-4D97-AF65-F5344CB8AC3E}">
-        <p14:creationId xmlns:p14="http://schemas.microsoft.com/office/powerpoint/2010/main" val="2519000413"/>
-      </p:ext>
-    </p:extLst>
-  </p:cSld>
-  <p:clrMapOvr>
-    <a:overrideClrMapping bg1="dk1" tx1="lt1" bg2="dk2" tx2="lt2" accent1="accent1" accent2="accent2" accent3="accent3" accent4="accent4" accent5="accent5" accent6="accent6" hlink="hlink" folHlink="folHlink"/>
-  </p:clrMapOvr>
-</p:sld>
-</file>
-
-<file path=ppt/slides/slide5.xml><?xml version="1.0" encoding="utf-8"?>
-<p:sld xmlns:a="http://schemas.openxmlformats.org/drawingml/2006/main" xmlns:r="http://schemas.openxmlformats.org/officeDocument/2006/relationships" xmlns:p="http://schemas.openxmlformats.org/presentationml/2006/main">
-  <p:cSld>
-    <p:bg>
-      <p:bgPr>
         <a:blipFill>
           <a:blip r:embed="rId2"/>
           <a:stretch/>
@@ -7796,7 +7520,7 @@
 </p:sld>
 </file>
 
-<file path=ppt/slides/slide6.xml><?xml version="1.0" encoding="utf-8"?>
+<file path=ppt/slides/slide5.xml><?xml version="1.0" encoding="utf-8"?>
 <p:sld xmlns:a="http://schemas.openxmlformats.org/drawingml/2006/main" xmlns:r="http://schemas.openxmlformats.org/officeDocument/2006/relationships" xmlns:p="http://schemas.openxmlformats.org/presentationml/2006/main">
   <p:cSld>
     <p:bg>
@@ -7826,7 +7550,7 @@
           <p:cNvPr id="12" name="Rectangle 11">
             <a:extLst>
               <a:ext uri="{FF2B5EF4-FFF2-40B4-BE49-F238E27FC236}">
-                <a16:creationId xmlns:a16="http://schemas.microsoft.com/office/drawing/2014/main" id="{333F0879-3DA0-4CB8-B35E-A0AD42558191}"/>
+                <a16:creationId xmlns:a16="http://schemas.microsoft.com/office/drawing/2014/main" id="{5EB8E3BF-F464-4900-8994-851061A9AD60}"/>
               </a:ext>
               <a:ext uri="{C183D7F6-B498-43B3-948B-1728B52AA6E4}">
                 <adec:decorative xmlns:adec="http://schemas.microsoft.com/office/drawing/2017/decorative" val="1"/>
@@ -7846,280 +7570,15 @@
         </p:nvSpPr>
         <p:spPr>
           <a:xfrm>
-            <a:off x="0" y="2"/>
-            <a:ext cx="12188952" cy="6858000"/>
+            <a:off x="0" y="0"/>
+            <a:ext cx="12192000" cy="6858000"/>
           </a:xfrm>
           <a:prstGeom prst="rect">
             <a:avLst/>
           </a:prstGeom>
-          <a:ln>
-            <a:noFill/>
-          </a:ln>
-        </p:spPr>
-        <p:style>
-          <a:lnRef idx="2">
-            <a:schemeClr val="accent1">
-              <a:shade val="50000"/>
-            </a:schemeClr>
-          </a:lnRef>
-          <a:fillRef idx="1003">
-            <a:schemeClr val="lt1"/>
-          </a:fillRef>
-          <a:effectRef idx="0">
-            <a:schemeClr val="accent1"/>
-          </a:effectRef>
-          <a:fontRef idx="minor">
-            <a:schemeClr val="lt1"/>
-          </a:fontRef>
-        </p:style>
-        <p:txBody>
-          <a:bodyPr rtlCol="0" anchor="ctr"/>
-          <a:lstStyle/>
-          <a:p>
-            <a:pPr algn="ctr"/>
-            <a:endParaRPr lang="en-US"/>
-          </a:p>
-        </p:txBody>
-      </p:sp>
-      <p:sp>
-        <p:nvSpPr>
-          <p:cNvPr id="14" name="Rectangle 13">
-            <a:extLst>
-              <a:ext uri="{FF2B5EF4-FFF2-40B4-BE49-F238E27FC236}">
-                <a16:creationId xmlns:a16="http://schemas.microsoft.com/office/drawing/2014/main" id="{324D2183-F388-476E-92A9-D6639D698580}"/>
-              </a:ext>
-              <a:ext uri="{C183D7F6-B498-43B3-948B-1728B52AA6E4}">
-                <adec:decorative xmlns:adec="http://schemas.microsoft.com/office/drawing/2017/decorative" val="1"/>
-              </a:ext>
-            </a:extLst>
-          </p:cNvPr>
-          <p:cNvSpPr>
-            <a:spLocks noGrp="1" noRot="1" noChangeAspect="1" noMove="1" noResize="1" noEditPoints="1" noAdjustHandles="1" noChangeArrowheads="1" noChangeShapeType="1" noTextEdit="1"/>
-          </p:cNvSpPr>
-          <p:nvPr>
-            <p:extLst>
-              <p:ext uri="{386F3935-93C4-4BCD-93E2-E3B085C9AB24}">
-                <p16:designElem xmlns:p16="http://schemas.microsoft.com/office/powerpoint/2015/main" val="1"/>
-              </p:ext>
-            </p:extLst>
-          </p:nvPr>
-        </p:nvSpPr>
-        <p:spPr>
-          <a:xfrm>
-            <a:off x="486138" y="496090"/>
-            <a:ext cx="3823215" cy="5883295"/>
-          </a:xfrm>
-          <a:prstGeom prst="rect">
-            <a:avLst/>
-          </a:prstGeom>
-          <a:blipFill dpi="0" rotWithShape="1">
-            <a:blip r:embed="rId2"/>
-            <a:srcRect/>
-            <a:tile tx="0" ty="0" sx="100000" sy="100000" flip="none" algn="tl"/>
-          </a:blipFill>
-          <a:ln>
-            <a:noFill/>
-          </a:ln>
-          <a:effectLst>
-            <a:outerShdw blurRad="114300" dist="127000" dir="5400000" sx="99000" sy="99000" algn="t" rotWithShape="0">
-              <a:prstClr val="black">
-                <a:alpha val="40000"/>
-              </a:prstClr>
-            </a:outerShdw>
-          </a:effectLst>
-          <a:scene3d>
-            <a:camera prst="orthographicFront"/>
-            <a:lightRig rig="twoPt" dir="t"/>
-          </a:scene3d>
-          <a:sp3d contourW="6350">
-            <a:bevelT w="12700" h="0" prst="coolSlant"/>
-            <a:contourClr>
-              <a:schemeClr val="bg2"/>
-            </a:contourClr>
-          </a:sp3d>
-        </p:spPr>
-        <p:style>
-          <a:lnRef idx="2">
-            <a:schemeClr val="accent1">
-              <a:shade val="50000"/>
-            </a:schemeClr>
-          </a:lnRef>
-          <a:fillRef idx="1">
-            <a:schemeClr val="accent1"/>
-          </a:fillRef>
-          <a:effectRef idx="0">
-            <a:schemeClr val="accent1"/>
-          </a:effectRef>
-          <a:fontRef idx="minor">
-            <a:schemeClr val="lt1"/>
-          </a:fontRef>
-        </p:style>
-        <p:txBody>
-          <a:bodyPr rtlCol="0" anchor="ctr"/>
-          <a:lstStyle/>
-          <a:p>
-            <a:pPr algn="ctr"/>
-            <a:endParaRPr lang="en-US"/>
-          </a:p>
-        </p:txBody>
-      </p:sp>
-      <p:sp>
-        <p:nvSpPr>
-          <p:cNvPr id="16" name="Rectangle 15">
-            <a:extLst>
-              <a:ext uri="{FF2B5EF4-FFF2-40B4-BE49-F238E27FC236}">
-                <a16:creationId xmlns:a16="http://schemas.microsoft.com/office/drawing/2014/main" id="{243462E7-1698-4B21-BE89-AEFAC7C2FEFA}"/>
-              </a:ext>
-              <a:ext uri="{C183D7F6-B498-43B3-948B-1728B52AA6E4}">
-                <adec:decorative xmlns:adec="http://schemas.microsoft.com/office/drawing/2017/decorative" val="1"/>
-              </a:ext>
-            </a:extLst>
-          </p:cNvPr>
-          <p:cNvSpPr>
-            <a:spLocks noGrp="1" noRot="1" noChangeAspect="1" noMove="1" noResize="1" noEditPoints="1" noAdjustHandles="1" noChangeArrowheads="1" noChangeShapeType="1" noTextEdit="1"/>
-          </p:cNvSpPr>
-          <p:nvPr>
-            <p:extLst>
-              <p:ext uri="{386F3935-93C4-4BCD-93E2-E3B085C9AB24}">
-                <p16:designElem xmlns:p16="http://schemas.microsoft.com/office/powerpoint/2015/main" val="1"/>
-              </p:ext>
-            </p:extLst>
-          </p:nvPr>
-        </p:nvSpPr>
-        <p:spPr>
-          <a:xfrm>
-            <a:off x="608012" y="609602"/>
-            <a:ext cx="3552006" cy="5638800"/>
-          </a:xfrm>
-          <a:prstGeom prst="rect">
-            <a:avLst/>
-          </a:prstGeom>
-          <a:noFill/>
-          <a:ln w="15875" cap="flat">
-            <a:miter lim="800000"/>
-          </a:ln>
-        </p:spPr>
-        <p:style>
-          <a:lnRef idx="1">
-            <a:schemeClr val="accent1"/>
-          </a:lnRef>
-          <a:fillRef idx="3">
-            <a:schemeClr val="accent1"/>
-          </a:fillRef>
-          <a:effectRef idx="2">
-            <a:schemeClr val="accent1"/>
-          </a:effectRef>
-          <a:fontRef idx="minor">
-            <a:schemeClr val="lt1"/>
-          </a:fontRef>
-        </p:style>
-      </p:sp>
-      <p:sp>
-        <p:nvSpPr>
-          <p:cNvPr id="2" name="Título 1">
-            <a:extLst>
-              <a:ext uri="{FF2B5EF4-FFF2-40B4-BE49-F238E27FC236}">
-                <a16:creationId xmlns:a16="http://schemas.microsoft.com/office/drawing/2014/main" id="{12AB0626-F171-465B-B2C8-C3845D6B6D0D}"/>
-              </a:ext>
-            </a:extLst>
-          </p:cNvPr>
-          <p:cNvSpPr>
-            <a:spLocks noGrp="1"/>
-          </p:cNvSpPr>
-          <p:nvPr>
-            <p:ph type="title"/>
-          </p:nvPr>
-        </p:nvSpPr>
-        <p:spPr>
-          <a:xfrm>
-            <a:off x="966283" y="2320010"/>
-            <a:ext cx="2835464" cy="1254868"/>
-          </a:xfrm>
-        </p:spPr>
-        <p:txBody>
-          <a:bodyPr anchor="b">
-            <a:normAutofit/>
-          </a:bodyPr>
-          <a:lstStyle/>
-          <a:p>
-            <a:r>
-              <a:rPr lang="es-ES" sz="5400" dirty="0">
-                <a:solidFill>
-                  <a:srgbClr val="262626"/>
-                </a:solidFill>
-              </a:rPr>
-              <a:t>Málaga</a:t>
-            </a:r>
-          </a:p>
-        </p:txBody>
-      </p:sp>
-      <p:sp>
-        <p:nvSpPr>
-          <p:cNvPr id="9" name="Content Placeholder 8">
-            <a:extLst>
-              <a:ext uri="{FF2B5EF4-FFF2-40B4-BE49-F238E27FC236}">
-                <a16:creationId xmlns:a16="http://schemas.microsoft.com/office/drawing/2014/main" id="{83F725F9-3335-4EBD-B34D-C99D90A82BD5}"/>
-              </a:ext>
-            </a:extLst>
-          </p:cNvPr>
-          <p:cNvSpPr>
-            <a:spLocks noGrp="1"/>
-          </p:cNvSpPr>
-          <p:nvPr>
-            <p:ph idx="1"/>
-          </p:nvPr>
-        </p:nvSpPr>
-        <p:spPr>
-          <a:xfrm>
-            <a:off x="929141" y="2430471"/>
-            <a:ext cx="2835464" cy="3552039"/>
-          </a:xfrm>
-        </p:spPr>
-        <p:txBody>
-          <a:bodyPr>
-            <a:normAutofit/>
-          </a:bodyPr>
-          <a:lstStyle/>
-          <a:p>
-            <a:endParaRPr lang="en-US" sz="1800">
-              <a:solidFill>
-                <a:srgbClr val="262626"/>
-              </a:solidFill>
-            </a:endParaRPr>
-          </a:p>
-        </p:txBody>
-      </p:sp>
-      <p:sp useBgFill="1">
-        <p:nvSpPr>
-          <p:cNvPr id="18" name="Rectangle 17">
-            <a:extLst>
-              <a:ext uri="{FF2B5EF4-FFF2-40B4-BE49-F238E27FC236}">
-                <a16:creationId xmlns:a16="http://schemas.microsoft.com/office/drawing/2014/main" id="{6C22FCAC-D7EC-4A52-B153-FF761E2235B3}"/>
-              </a:ext>
-              <a:ext uri="{C183D7F6-B498-43B3-948B-1728B52AA6E4}">
-                <adec:decorative xmlns:adec="http://schemas.microsoft.com/office/drawing/2017/decorative" val="1"/>
-              </a:ext>
-            </a:extLst>
-          </p:cNvPr>
-          <p:cNvSpPr>
-            <a:spLocks noGrp="1" noRot="1" noChangeAspect="1" noMove="1" noResize="1" noEditPoints="1" noAdjustHandles="1" noChangeArrowheads="1" noChangeShapeType="1" noTextEdit="1"/>
-          </p:cNvSpPr>
-          <p:nvPr>
-            <p:extLst>
-              <p:ext uri="{386F3935-93C4-4BCD-93E2-E3B085C9AB24}">
-                <p16:designElem xmlns:p16="http://schemas.microsoft.com/office/powerpoint/2015/main" val="1"/>
-              </p:ext>
-            </p:extLst>
-          </p:nvPr>
-        </p:nvSpPr>
-        <p:spPr>
-          <a:xfrm>
-            <a:off x="4795491" y="0"/>
-            <a:ext cx="7396509" cy="6858002"/>
-          </a:xfrm>
-          <a:prstGeom prst="rect">
-            <a:avLst/>
-          </a:prstGeom>
+          <a:solidFill>
+            <a:srgbClr val="000000"/>
+          </a:solidFill>
           <a:ln>
             <a:noFill/>
           </a:ln>
@@ -8151,10 +7610,10 @@
       </p:sp>
       <p:pic>
         <p:nvPicPr>
-          <p:cNvPr id="5" name="Marcador de contenido 4" descr="Un atardecer en la playa&#10;&#10;Descripción generada automáticamente">
+          <p:cNvPr id="5" name="Marcador de contenido 4" descr="Imagen que contiene edificio, exterior, calle, luz&#10;&#10;Descripción generada automáticamente">
             <a:extLst>
               <a:ext uri="{FF2B5EF4-FFF2-40B4-BE49-F238E27FC236}">
-                <a16:creationId xmlns:a16="http://schemas.microsoft.com/office/drawing/2014/main" id="{02CFD312-349A-454F-AF14-8A4C3986F6CD}"/>
+                <a16:creationId xmlns:a16="http://schemas.microsoft.com/office/drawing/2014/main" id="{002CF3FB-7003-4052-B5FE-EB49E45198A4}"/>
               </a:ext>
             </a:extLst>
           </p:cNvPr>
@@ -8163,36 +7622,185 @@
           </p:cNvPicPr>
           <p:nvPr/>
         </p:nvPicPr>
-        <p:blipFill>
-          <a:blip r:embed="rId3"/>
-          <a:stretch>
-            <a:fillRect/>
-          </a:stretch>
+        <p:blipFill rotWithShape="1">
+          <a:blip r:embed="rId2">
+            <a:alphaModFix amt="35000"/>
+          </a:blip>
+          <a:srcRect t="5195" b="10536"/>
+          <a:stretch/>
         </p:blipFill>
         <p:spPr>
           <a:xfrm>
-            <a:off x="5435910" y="1709576"/>
-            <a:ext cx="6098041" cy="3387800"/>
+            <a:off x="20" y="10"/>
+            <a:ext cx="12191980" cy="6857990"/>
           </a:xfrm>
           <a:prstGeom prst="rect">
             <a:avLst/>
           </a:prstGeom>
         </p:spPr>
       </p:pic>
+      <p:sp>
+        <p:nvSpPr>
+          <p:cNvPr id="2" name="Título 1">
+            <a:extLst>
+              <a:ext uri="{FF2B5EF4-FFF2-40B4-BE49-F238E27FC236}">
+                <a16:creationId xmlns:a16="http://schemas.microsoft.com/office/drawing/2014/main" id="{93F3B563-1EB5-4FCD-A425-D4C526FDDDEF}"/>
+              </a:ext>
+            </a:extLst>
+          </p:cNvPr>
+          <p:cNvSpPr>
+            <a:spLocks noGrp="1"/>
+          </p:cNvSpPr>
+          <p:nvPr>
+            <p:ph type="title"/>
+          </p:nvPr>
+        </p:nvSpPr>
+        <p:spPr>
+          <a:xfrm>
+            <a:off x="1524000" y="3536450"/>
+            <a:ext cx="9601196" cy="1303867"/>
+          </a:xfrm>
+        </p:spPr>
+        <p:txBody>
+          <a:bodyPr>
+            <a:normAutofit/>
+          </a:bodyPr>
+          <a:lstStyle/>
+          <a:p>
+            <a:r>
+              <a:rPr lang="es-ES" dirty="0" err="1">
+                <a:solidFill>
+                  <a:srgbClr val="FFFFFF"/>
+                </a:solidFill>
+              </a:rPr>
+              <a:t>Málaga´s</a:t>
+            </a:r>
+            <a:r>
+              <a:rPr lang="es-ES" dirty="0">
+                <a:solidFill>
+                  <a:srgbClr val="FFFFFF"/>
+                </a:solidFill>
+              </a:rPr>
+              <a:t> Christmas </a:t>
+            </a:r>
+            <a:r>
+              <a:rPr lang="es-ES" dirty="0" err="1">
+                <a:solidFill>
+                  <a:srgbClr val="FFFFFF"/>
+                </a:solidFill>
+              </a:rPr>
+              <a:t>lights</a:t>
+            </a:r>
+            <a:endParaRPr lang="es-ES" dirty="0">
+              <a:solidFill>
+                <a:srgbClr val="FFFFFF"/>
+              </a:solidFill>
+            </a:endParaRPr>
+          </a:p>
+        </p:txBody>
+      </p:sp>
+      <p:cxnSp>
+        <p:nvCxnSpPr>
+          <p:cNvPr id="14" name="Straight Connector 13">
+            <a:extLst>
+              <a:ext uri="{FF2B5EF4-FFF2-40B4-BE49-F238E27FC236}">
+                <a16:creationId xmlns:a16="http://schemas.microsoft.com/office/drawing/2014/main" id="{8E0602D6-3A81-42F8-AE67-1BAAFC967CB0}"/>
+              </a:ext>
+              <a:ext uri="{C183D7F6-B498-43B3-948B-1728B52AA6E4}">
+                <adec:decorative xmlns:adec="http://schemas.microsoft.com/office/drawing/2017/decorative" val="1"/>
+              </a:ext>
+            </a:extLst>
+          </p:cNvPr>
+          <p:cNvCxnSpPr>
+            <a:cxnSpLocks noGrp="1" noRot="1" noChangeAspect="1" noMove="1" noResize="1" noEditPoints="1" noAdjustHandles="1" noChangeArrowheads="1" noChangeShapeType="1"/>
+          </p:cNvCxnSpPr>
+          <p:nvPr>
+            <p:extLst>
+              <p:ext uri="{386F3935-93C4-4BCD-93E2-E3B085C9AB24}">
+                <p16:designElem xmlns:p16="http://schemas.microsoft.com/office/powerpoint/2015/main" val="1"/>
+              </p:ext>
+            </p:extLst>
+          </p:nvPr>
+        </p:nvCxnSpPr>
+        <p:spPr>
+          <a:xfrm>
+            <a:off x="1524000" y="2421466"/>
+            <a:ext cx="9144000" cy="0"/>
+          </a:xfrm>
+          <a:prstGeom prst="line">
+            <a:avLst/>
+          </a:prstGeom>
+          <a:ln w="15875">
+            <a:solidFill>
+              <a:srgbClr val="FFFFFF"/>
+            </a:solidFill>
+          </a:ln>
+        </p:spPr>
+        <p:style>
+          <a:lnRef idx="2">
+            <a:schemeClr val="accent1"/>
+          </a:lnRef>
+          <a:fillRef idx="0">
+            <a:schemeClr val="accent1"/>
+          </a:fillRef>
+          <a:effectRef idx="1">
+            <a:schemeClr val="accent1"/>
+          </a:effectRef>
+          <a:fontRef idx="minor">
+            <a:schemeClr val="tx1"/>
+          </a:fontRef>
+        </p:style>
+      </p:cxnSp>
+      <p:sp>
+        <p:nvSpPr>
+          <p:cNvPr id="9" name="Content Placeholder 8">
+            <a:extLst>
+              <a:ext uri="{FF2B5EF4-FFF2-40B4-BE49-F238E27FC236}">
+                <a16:creationId xmlns:a16="http://schemas.microsoft.com/office/drawing/2014/main" id="{DB2FF74D-A479-44A8-A70F-B1CC3015BA03}"/>
+              </a:ext>
+            </a:extLst>
+          </p:cNvPr>
+          <p:cNvSpPr>
+            <a:spLocks noGrp="1"/>
+          </p:cNvSpPr>
+          <p:nvPr>
+            <p:ph idx="1"/>
+          </p:nvPr>
+        </p:nvSpPr>
+        <p:spPr>
+          <a:xfrm>
+            <a:off x="1295401" y="2556932"/>
+            <a:ext cx="9601196" cy="3318936"/>
+          </a:xfrm>
+        </p:spPr>
+        <p:txBody>
+          <a:bodyPr>
+            <a:normAutofit/>
+          </a:bodyPr>
+          <a:lstStyle/>
+          <a:p>
+            <a:endParaRPr lang="en-US">
+              <a:solidFill>
+                <a:srgbClr val="FFFFFF"/>
+              </a:solidFill>
+            </a:endParaRPr>
+          </a:p>
+        </p:txBody>
+      </p:sp>
     </p:spTree>
     <p:extLst>
       <p:ext uri="{BB962C8B-B14F-4D97-AF65-F5344CB8AC3E}">
-        <p14:creationId xmlns:p14="http://schemas.microsoft.com/office/powerpoint/2010/main" val="516251693"/>
+        <p14:creationId xmlns:p14="http://schemas.microsoft.com/office/powerpoint/2010/main" val="2519000413"/>
       </p:ext>
     </p:extLst>
   </p:cSld>
   <p:clrMapOvr>
-    <a:masterClrMapping/>
+    <a:overrideClrMapping bg1="dk1" tx1="lt1" bg2="dk2" tx2="lt2" accent1="accent1" accent2="accent2" accent3="accent3" accent4="accent4" accent5="accent5" accent6="accent6" hlink="hlink" folHlink="folHlink"/>
   </p:clrMapOvr>
 </p:sld>
 </file>
 
-<file path=ppt/slides/slide7.xml><?xml version="1.0" encoding="utf-8"?>
+<file path=ppt/slides/slide6.xml><?xml version="1.0" encoding="utf-8"?>
 <p:sld xmlns:a="http://schemas.openxmlformats.org/drawingml/2006/main" xmlns:r="http://schemas.openxmlformats.org/officeDocument/2006/relationships" xmlns:p="http://schemas.openxmlformats.org/presentationml/2006/main">
   <p:cSld>
     <p:bg>
